--- a/第5节课/01ppt/P1-5第五节.pptx
+++ b/第5节课/01ppt/P1-5第五节.pptx
@@ -11000,7 +11000,7 @@
         <p:spPr>
           <a:xfrm>
             <a:off x="1069975" y="1760220"/>
-            <a:ext cx="8989695" cy="4092575"/>
+            <a:ext cx="8989695" cy="4707890"/>
           </a:xfrm>
           <a:prstGeom prst="rect">
             <a:avLst/>
@@ -11020,17 +11020,24 @@
               <a:buNone/>
             </a:pPr>
             <a:r>
+              <a:rPr lang="en-US" altLang="zh-CN" sz="2000">
+                <a:solidFill>
+                  <a:schemeClr val="tx1"/>
+                </a:solidFill>
+                <a:effectLst/>
+                <a:latin typeface="微软雅黑" panose="020B0503020204020204" pitchFamily="34" charset="-122"/>
+                <a:ea typeface="微软雅黑" panose="020B0503020204020204" pitchFamily="34" charset="-122"/>
+                <a:cs typeface="微软雅黑" panose="020B0503020204020204" pitchFamily="34" charset="-122"/>
+                <a:sym typeface="+mn-ea"/>
+              </a:rPr>
+              <a:t>          </a:t>
+            </a:r>
+            <a:r>
               <a:rPr lang="zh-CN" altLang="en-US" sz="2000">
                 <a:solidFill>
-                  <a:srgbClr val="0070C0"/>
-                </a:solidFill>
-                <a:effectLst>
-                  <a:outerShdw blurRad="38100" dist="25400" dir="5400000" algn="ctr" rotWithShape="0">
-                    <a:srgbClr val="6E747A">
-                      <a:alpha val="43000"/>
-                    </a:srgbClr>
-                  </a:outerShdw>
-                </a:effectLst>
+                  <a:schemeClr val="tx1"/>
+                </a:solidFill>
+                <a:effectLst/>
                 <a:latin typeface="微软雅黑" panose="020B0503020204020204" pitchFamily="34" charset="-122"/>
                 <a:ea typeface="微软雅黑" panose="020B0503020204020204" pitchFamily="34" charset="-122"/>
                 <a:cs typeface="微软雅黑" panose="020B0503020204020204" pitchFamily="34" charset="-122"/>
@@ -11041,15 +11048,9 @@
             <a:r>
               <a:rPr lang="en-US" sz="2000">
                 <a:solidFill>
-                  <a:srgbClr val="0070C0"/>
-                </a:solidFill>
-                <a:effectLst>
-                  <a:outerShdw blurRad="38100" dist="25400" dir="5400000" algn="ctr" rotWithShape="0">
-                    <a:srgbClr val="6E747A">
-                      <a:alpha val="43000"/>
-                    </a:srgbClr>
-                  </a:outerShdw>
-                </a:effectLst>
+                  <a:schemeClr val="tx1"/>
+                </a:solidFill>
+                <a:effectLst/>
                 <a:latin typeface="微软雅黑" panose="020B0503020204020204" pitchFamily="34" charset="-122"/>
                 <a:ea typeface="微软雅黑" panose="020B0503020204020204" pitchFamily="34" charset="-122"/>
                 <a:cs typeface="微软雅黑" panose="020B0503020204020204" pitchFamily="34" charset="-122"/>
@@ -11060,15 +11061,9 @@
             <a:r>
               <a:rPr sz="2000">
                 <a:solidFill>
-                  <a:srgbClr val="0070C0"/>
-                </a:solidFill>
-                <a:effectLst>
-                  <a:outerShdw blurRad="38100" dist="25400" dir="5400000" algn="ctr" rotWithShape="0">
-                    <a:srgbClr val="6E747A">
-                      <a:alpha val="43000"/>
-                    </a:srgbClr>
-                  </a:outerShdw>
-                </a:effectLst>
+                  <a:schemeClr val="tx1"/>
+                </a:solidFill>
+                <a:effectLst/>
                 <a:latin typeface="微软雅黑" panose="020B0503020204020204" pitchFamily="34" charset="-122"/>
                 <a:ea typeface="微软雅黑" panose="020B0503020204020204" pitchFamily="34" charset="-122"/>
                 <a:cs typeface="微软雅黑" panose="020B0503020204020204" pitchFamily="34" charset="-122"/>
@@ -11079,15 +11074,9 @@
             <a:r>
               <a:rPr lang="zh-CN" sz="2000">
                 <a:solidFill>
-                  <a:srgbClr val="0070C0"/>
-                </a:solidFill>
-                <a:effectLst>
-                  <a:outerShdw blurRad="38100" dist="25400" dir="5400000" algn="ctr" rotWithShape="0">
-                    <a:srgbClr val="6E747A">
-                      <a:alpha val="43000"/>
-                    </a:srgbClr>
-                  </a:outerShdw>
-                </a:effectLst>
+                  <a:schemeClr val="tx1"/>
+                </a:solidFill>
+                <a:effectLst/>
                 <a:latin typeface="微软雅黑" panose="020B0503020204020204" pitchFamily="34" charset="-122"/>
                 <a:ea typeface="微软雅黑" panose="020B0503020204020204" pitchFamily="34" charset="-122"/>
                 <a:cs typeface="微软雅黑" panose="020B0503020204020204" pitchFamily="34" charset="-122"/>
@@ -11097,15 +11086,9 @@
             </a:r>
             <a:endParaRPr lang="zh-CN" sz="2000">
               <a:solidFill>
-                <a:srgbClr val="0070C0"/>
+                <a:schemeClr val="tx1"/>
               </a:solidFill>
-              <a:effectLst>
-                <a:outerShdw blurRad="38100" dist="25400" dir="5400000" algn="ctr" rotWithShape="0">
-                  <a:srgbClr val="6E747A">
-                    <a:alpha val="43000"/>
-                  </a:srgbClr>
-                </a:outerShdw>
-              </a:effectLst>
+              <a:effectLst/>
               <a:latin typeface="微软雅黑" panose="020B0503020204020204" pitchFamily="34" charset="-122"/>
               <a:ea typeface="微软雅黑" panose="020B0503020204020204" pitchFamily="34" charset="-122"/>
               <a:cs typeface="微软雅黑" panose="020B0503020204020204" pitchFamily="34" charset="-122"/>
@@ -11123,15 +11106,9 @@
             <a:r>
               <a:rPr lang="zh-CN" sz="2000">
                 <a:solidFill>
-                  <a:srgbClr val="0070C0"/>
-                </a:solidFill>
-                <a:effectLst>
-                  <a:outerShdw blurRad="38100" dist="25400" dir="5400000" algn="ctr" rotWithShape="0">
-                    <a:srgbClr val="6E747A">
-                      <a:alpha val="43000"/>
-                    </a:srgbClr>
-                  </a:outerShdw>
-                </a:effectLst>
+                  <a:schemeClr val="tx1"/>
+                </a:solidFill>
+                <a:effectLst/>
                 <a:latin typeface="微软雅黑" panose="020B0503020204020204" pitchFamily="34" charset="-122"/>
                 <a:ea typeface="微软雅黑" panose="020B0503020204020204" pitchFamily="34" charset="-122"/>
                 <a:cs typeface="微软雅黑" panose="020B0503020204020204" pitchFamily="34" charset="-122"/>
@@ -11142,15 +11119,9 @@
             <a:r>
               <a:rPr lang="en-US" sz="2000">
                 <a:solidFill>
-                  <a:srgbClr val="0070C0"/>
-                </a:solidFill>
-                <a:effectLst>
-                  <a:outerShdw blurRad="38100" dist="25400" dir="5400000" algn="ctr" rotWithShape="0">
-                    <a:srgbClr val="6E747A">
-                      <a:alpha val="43000"/>
-                    </a:srgbClr>
-                  </a:outerShdw>
-                </a:effectLst>
+                  <a:schemeClr val="tx1"/>
+                </a:solidFill>
+                <a:effectLst/>
                 <a:latin typeface="微软雅黑" panose="020B0503020204020204" pitchFamily="34" charset="-122"/>
                 <a:ea typeface="微软雅黑" panose="020B0503020204020204" pitchFamily="34" charset="-122"/>
                 <a:cs typeface="微软雅黑" panose="020B0503020204020204" pitchFamily="34" charset="-122"/>
@@ -11161,15 +11132,9 @@
             <a:r>
               <a:rPr sz="2000">
                 <a:solidFill>
-                  <a:srgbClr val="0070C0"/>
-                </a:solidFill>
-                <a:effectLst>
-                  <a:outerShdw blurRad="38100" dist="25400" dir="5400000" algn="ctr" rotWithShape="0">
-                    <a:srgbClr val="6E747A">
-                      <a:alpha val="43000"/>
-                    </a:srgbClr>
-                  </a:outerShdw>
-                </a:effectLst>
+                  <a:schemeClr val="tx1"/>
+                </a:solidFill>
+                <a:effectLst/>
                 <a:latin typeface="微软雅黑" panose="020B0503020204020204" pitchFamily="34" charset="-122"/>
                 <a:ea typeface="微软雅黑" panose="020B0503020204020204" pitchFamily="34" charset="-122"/>
                 <a:cs typeface="微软雅黑" panose="020B0503020204020204" pitchFamily="34" charset="-122"/>
@@ -11180,15 +11145,9 @@
             <a:r>
               <a:rPr lang="en-US" sz="2000">
                 <a:solidFill>
-                  <a:srgbClr val="0070C0"/>
-                </a:solidFill>
-                <a:effectLst>
-                  <a:outerShdw blurRad="38100" dist="25400" dir="5400000" algn="ctr" rotWithShape="0">
-                    <a:srgbClr val="6E747A">
-                      <a:alpha val="43000"/>
-                    </a:srgbClr>
-                  </a:outerShdw>
-                </a:effectLst>
+                  <a:schemeClr val="tx1"/>
+                </a:solidFill>
+                <a:effectLst/>
                 <a:latin typeface="微软雅黑" panose="020B0503020204020204" pitchFamily="34" charset="-122"/>
                 <a:ea typeface="微软雅黑" panose="020B0503020204020204" pitchFamily="34" charset="-122"/>
                 <a:cs typeface="微软雅黑" panose="020B0503020204020204" pitchFamily="34" charset="-122"/>
@@ -11199,15 +11158,9 @@
             <a:r>
               <a:rPr sz="2000">
                 <a:solidFill>
-                  <a:srgbClr val="0070C0"/>
-                </a:solidFill>
-                <a:effectLst>
-                  <a:outerShdw blurRad="38100" dist="25400" dir="5400000" algn="ctr" rotWithShape="0">
-                    <a:srgbClr val="6E747A">
-                      <a:alpha val="43000"/>
-                    </a:srgbClr>
-                  </a:outerShdw>
-                </a:effectLst>
+                  <a:schemeClr val="tx1"/>
+                </a:solidFill>
+                <a:effectLst/>
                 <a:latin typeface="微软雅黑" panose="020B0503020204020204" pitchFamily="34" charset="-122"/>
                 <a:ea typeface="微软雅黑" panose="020B0503020204020204" pitchFamily="34" charset="-122"/>
                 <a:cs typeface="微软雅黑" panose="020B0503020204020204" pitchFamily="34" charset="-122"/>
@@ -11218,15 +11171,9 @@
             <a:r>
               <a:rPr lang="zh-CN" sz="2000">
                 <a:solidFill>
-                  <a:srgbClr val="0070C0"/>
-                </a:solidFill>
-                <a:effectLst>
-                  <a:outerShdw blurRad="38100" dist="25400" dir="5400000" algn="ctr" rotWithShape="0">
-                    <a:srgbClr val="6E747A">
-                      <a:alpha val="43000"/>
-                    </a:srgbClr>
-                  </a:outerShdw>
-                </a:effectLst>
+                  <a:schemeClr val="tx1"/>
+                </a:solidFill>
+                <a:effectLst/>
                 <a:latin typeface="微软雅黑" panose="020B0503020204020204" pitchFamily="34" charset="-122"/>
                 <a:ea typeface="微软雅黑" panose="020B0503020204020204" pitchFamily="34" charset="-122"/>
                 <a:cs typeface="微软雅黑" panose="020B0503020204020204" pitchFamily="34" charset="-122"/>
@@ -11237,15 +11184,9 @@
             <a:r>
               <a:rPr sz="2000">
                 <a:solidFill>
-                  <a:srgbClr val="0070C0"/>
-                </a:solidFill>
-                <a:effectLst>
-                  <a:outerShdw blurRad="38100" dist="25400" dir="5400000" algn="ctr" rotWithShape="0">
-                    <a:srgbClr val="6E747A">
-                      <a:alpha val="43000"/>
-                    </a:srgbClr>
-                  </a:outerShdw>
-                </a:effectLst>
+                  <a:schemeClr val="tx1"/>
+                </a:solidFill>
+                <a:effectLst/>
                 <a:latin typeface="微软雅黑" panose="020B0503020204020204" pitchFamily="34" charset="-122"/>
                 <a:ea typeface="微软雅黑" panose="020B0503020204020204" pitchFamily="34" charset="-122"/>
                 <a:cs typeface="微软雅黑" panose="020B0503020204020204" pitchFamily="34" charset="-122"/>
@@ -11279,9 +11220,9 @@
               <a:buNone/>
             </a:pPr>
             <a:r>
-              <a:rPr lang="zh-CN" sz="2000">
-                <a:solidFill>
-                  <a:srgbClr val="0070C0"/>
+              <a:rPr lang="zh-CN" sz="2000" b="1">
+                <a:solidFill>
+                  <a:schemeClr val="tx1"/>
                 </a:solidFill>
                 <a:effectLst>
                   <a:outerShdw blurRad="38100" dist="25400" dir="5400000" algn="ctr" rotWithShape="0">
@@ -11295,11 +11236,68 @@
                 <a:cs typeface="微软雅黑" panose="020B0503020204020204" pitchFamily="34" charset="-122"/>
                 <a:sym typeface="+mn-ea"/>
               </a:rPr>
-              <a:t>          例：</a:t>
+              <a:t>          </a:t>
+            </a:r>
+            <a:r>
+              <a:rPr lang="zh-CN" sz="2000" b="1">
+                <a:solidFill>
+                  <a:srgbClr val="FF0000"/>
+                </a:solidFill>
+                <a:effectLst>
+                  <a:outerShdw blurRad="38100" dist="25400" dir="5400000" algn="ctr" rotWithShape="0">
+                    <a:srgbClr val="6E747A">
+                      <a:alpha val="43000"/>
+                    </a:srgbClr>
+                  </a:outerShdw>
+                </a:effectLst>
+                <a:latin typeface="微软雅黑" panose="020B0503020204020204" pitchFamily="34" charset="-122"/>
+                <a:ea typeface="微软雅黑" panose="020B0503020204020204" pitchFamily="34" charset="-122"/>
+                <a:cs typeface="微软雅黑" panose="020B0503020204020204" pitchFamily="34" charset="-122"/>
+                <a:sym typeface="+mn-ea"/>
+              </a:rPr>
+              <a:t>例</a:t>
+            </a:r>
+            <a:r>
+              <a:rPr lang="en-US" altLang="zh-CN" sz="2000" b="1">
+                <a:solidFill>
+                  <a:srgbClr val="FF0000"/>
+                </a:solidFill>
+                <a:effectLst>
+                  <a:outerShdw blurRad="38100" dist="25400" dir="5400000" algn="ctr" rotWithShape="0">
+                    <a:srgbClr val="6E747A">
+                      <a:alpha val="43000"/>
+                    </a:srgbClr>
+                  </a:outerShdw>
+                </a:effectLst>
+                <a:latin typeface="微软雅黑" panose="020B0503020204020204" pitchFamily="34" charset="-122"/>
+                <a:ea typeface="微软雅黑" panose="020B0503020204020204" pitchFamily="34" charset="-122"/>
+                <a:cs typeface="微软雅黑" panose="020B0503020204020204" pitchFamily="34" charset="-122"/>
+                <a:sym typeface="+mn-ea"/>
+              </a:rPr>
+              <a:t>3</a:t>
+            </a:r>
+            <a:r>
+              <a:rPr lang="zh-CN" sz="2000" b="1">
+                <a:solidFill>
+                  <a:srgbClr val="FF0000"/>
+                </a:solidFill>
+                <a:effectLst>
+                  <a:outerShdw blurRad="38100" dist="25400" dir="5400000" algn="ctr" rotWithShape="0">
+                    <a:srgbClr val="6E747A">
+                      <a:alpha val="43000"/>
+                    </a:srgbClr>
+                  </a:outerShdw>
+                </a:effectLst>
+                <a:latin typeface="微软雅黑" panose="020B0503020204020204" pitchFamily="34" charset="-122"/>
+                <a:ea typeface="微软雅黑" panose="020B0503020204020204" pitchFamily="34" charset="-122"/>
+                <a:cs typeface="微软雅黑" panose="020B0503020204020204" pitchFamily="34" charset="-122"/>
+                <a:sym typeface="+mn-ea"/>
+              </a:rPr>
+              <a:t>：</a:t>
             </a:r>
             <a:endParaRPr lang="zh-CN" sz="2000">
               <a:solidFill>
-                <a:srgbClr val="0070C0"/>
+                <a:schemeClr val="tx1"/>
               </a:solidFill>
               <a:effectLst>
                 <a:outerShdw blurRad="38100" dist="25400" dir="5400000" algn="ctr" rotWithShape="0">
@@ -11325,7 +11323,7 @@
             <a:r>
               <a:rPr lang="zh-CN" sz="2000">
                 <a:solidFill>
-                  <a:srgbClr val="0070C0"/>
+                  <a:schemeClr val="tx1"/>
                 </a:solidFill>
                 <a:effectLst>
                   <a:outerShdw blurRad="38100" dist="25400" dir="5400000" algn="ctr" rotWithShape="0">
@@ -11344,15 +11342,9 @@
             <a:r>
               <a:rPr lang="en-US" sz="2000">
                 <a:solidFill>
-                  <a:srgbClr val="0070C0"/>
-                </a:solidFill>
-                <a:effectLst>
-                  <a:outerShdw blurRad="38100" dist="25400" dir="5400000" algn="ctr" rotWithShape="0">
-                    <a:srgbClr val="6E747A">
-                      <a:alpha val="43000"/>
-                    </a:srgbClr>
-                  </a:outerShdw>
-                </a:effectLst>
+                  <a:schemeClr val="tx1"/>
+                </a:solidFill>
+                <a:effectLst/>
                 <a:latin typeface="微软雅黑" panose="020B0503020204020204" pitchFamily="34" charset="-122"/>
                 <a:ea typeface="微软雅黑" panose="020B0503020204020204" pitchFamily="34" charset="-122"/>
                 <a:cs typeface="微软雅黑" panose="020B0503020204020204" pitchFamily="34" charset="-122"/>
@@ -11363,15 +11355,9 @@
             <a:r>
               <a:rPr sz="2000">
                 <a:solidFill>
-                  <a:srgbClr val="0070C0"/>
-                </a:solidFill>
-                <a:effectLst>
-                  <a:outerShdw blurRad="38100" dist="25400" dir="5400000" algn="ctr" rotWithShape="0">
-                    <a:srgbClr val="6E747A">
-                      <a:alpha val="43000"/>
-                    </a:srgbClr>
-                  </a:outerShdw>
-                </a:effectLst>
+                  <a:schemeClr val="tx1"/>
+                </a:solidFill>
+                <a:effectLst/>
                 <a:latin typeface="微软雅黑" panose="020B0503020204020204" pitchFamily="34" charset="-122"/>
                 <a:ea typeface="微软雅黑" panose="020B0503020204020204" pitchFamily="34" charset="-122"/>
                 <a:cs typeface="微软雅黑" panose="020B0503020204020204" pitchFamily="34" charset="-122"/>
@@ -11381,15 +11367,9 @@
             </a:r>
             <a:endParaRPr sz="2000">
               <a:solidFill>
-                <a:srgbClr val="0070C0"/>
+                <a:schemeClr val="tx1"/>
               </a:solidFill>
-              <a:effectLst>
-                <a:outerShdw blurRad="38100" dist="25400" dir="5400000" algn="ctr" rotWithShape="0">
-                  <a:srgbClr val="6E747A">
-                    <a:alpha val="43000"/>
-                  </a:srgbClr>
-                </a:outerShdw>
-              </a:effectLst>
+              <a:effectLst/>
               <a:latin typeface="微软雅黑" panose="020B0503020204020204" pitchFamily="34" charset="-122"/>
               <a:ea typeface="微软雅黑" panose="020B0503020204020204" pitchFamily="34" charset="-122"/>
               <a:cs typeface="微软雅黑" panose="020B0503020204020204" pitchFamily="34" charset="-122"/>
@@ -11407,15 +11387,9 @@
             <a:r>
               <a:rPr sz="2000">
                 <a:solidFill>
-                  <a:srgbClr val="0070C0"/>
-                </a:solidFill>
-                <a:effectLst>
-                  <a:outerShdw blurRad="38100" dist="25400" dir="5400000" algn="ctr" rotWithShape="0">
-                    <a:srgbClr val="6E747A">
-                      <a:alpha val="43000"/>
-                    </a:srgbClr>
-                  </a:outerShdw>
-                </a:effectLst>
+                  <a:schemeClr val="tx1"/>
+                </a:solidFill>
+                <a:effectLst/>
                 <a:latin typeface="微软雅黑" panose="020B0503020204020204" pitchFamily="34" charset="-122"/>
                 <a:ea typeface="微软雅黑" panose="020B0503020204020204" pitchFamily="34" charset="-122"/>
                 <a:cs typeface="微软雅黑" panose="020B0503020204020204" pitchFamily="34" charset="-122"/>
@@ -11426,15 +11400,9 @@
             <a:r>
               <a:rPr lang="en-US" sz="2000">
                 <a:solidFill>
-                  <a:srgbClr val="0070C0"/>
-                </a:solidFill>
-                <a:effectLst>
-                  <a:outerShdw blurRad="38100" dist="25400" dir="5400000" algn="ctr" rotWithShape="0">
-                    <a:srgbClr val="6E747A">
-                      <a:alpha val="43000"/>
-                    </a:srgbClr>
-                  </a:outerShdw>
-                </a:effectLst>
+                  <a:schemeClr val="tx1"/>
+                </a:solidFill>
+                <a:effectLst/>
                 <a:latin typeface="微软雅黑" panose="020B0503020204020204" pitchFamily="34" charset="-122"/>
                 <a:ea typeface="微软雅黑" panose="020B0503020204020204" pitchFamily="34" charset="-122"/>
                 <a:cs typeface="微软雅黑" panose="020B0503020204020204" pitchFamily="34" charset="-122"/>
@@ -11444,15 +11412,9 @@
             </a:r>
             <a:endParaRPr lang="en-US" sz="2000">
               <a:solidFill>
-                <a:srgbClr val="0070C0"/>
+                <a:schemeClr val="tx1"/>
               </a:solidFill>
-              <a:effectLst>
-                <a:outerShdw blurRad="38100" dist="25400" dir="5400000" algn="ctr" rotWithShape="0">
-                  <a:srgbClr val="6E747A">
-                    <a:alpha val="43000"/>
-                  </a:srgbClr>
-                </a:outerShdw>
-              </a:effectLst>
+              <a:effectLst/>
               <a:latin typeface="微软雅黑" panose="020B0503020204020204" pitchFamily="34" charset="-122"/>
               <a:ea typeface="微软雅黑" panose="020B0503020204020204" pitchFamily="34" charset="-122"/>
               <a:cs typeface="微软雅黑" panose="020B0503020204020204" pitchFamily="34" charset="-122"/>
@@ -11467,18 +11429,31 @@
               <a:buFont typeface="Arial" panose="020B0604020202020204" pitchFamily="34" charset="0"/>
               <a:buNone/>
             </a:pPr>
+            <a:endParaRPr lang="en-US" sz="2000">
+              <a:solidFill>
+                <a:schemeClr val="tx1"/>
+              </a:solidFill>
+              <a:effectLst/>
+              <a:latin typeface="微软雅黑" panose="020B0503020204020204" pitchFamily="34" charset="-122"/>
+              <a:ea typeface="微软雅黑" panose="020B0503020204020204" pitchFamily="34" charset="-122"/>
+              <a:cs typeface="微软雅黑" panose="020B0503020204020204" pitchFamily="34" charset="-122"/>
+              <a:sym typeface="+mn-ea"/>
+            </a:endParaRPr>
+          </a:p>
+          <a:p>
+            <a:pPr marL="0" indent="0" algn="l">
+              <a:lnSpc>
+                <a:spcPct val="200000"/>
+              </a:lnSpc>
+              <a:buFont typeface="Arial" panose="020B0604020202020204" pitchFamily="34" charset="0"/>
+              <a:buNone/>
+            </a:pPr>
             <a:r>
               <a:rPr lang="en-US" sz="2000">
                 <a:solidFill>
-                  <a:srgbClr val="0070C0"/>
-                </a:solidFill>
-                <a:effectLst>
-                  <a:outerShdw blurRad="38100" dist="25400" dir="5400000" algn="ctr" rotWithShape="0">
-                    <a:srgbClr val="6E747A">
-                      <a:alpha val="43000"/>
-                    </a:srgbClr>
-                  </a:outerShdw>
-                </a:effectLst>
+                  <a:schemeClr val="tx1"/>
+                </a:solidFill>
+                <a:effectLst/>
                 <a:latin typeface="微软雅黑" panose="020B0503020204020204" pitchFamily="34" charset="-122"/>
                 <a:ea typeface="微软雅黑" panose="020B0503020204020204" pitchFamily="34" charset="-122"/>
                 <a:cs typeface="微软雅黑" panose="020B0503020204020204" pitchFamily="34" charset="-122"/>
@@ -11489,15 +11464,9 @@
             <a:r>
               <a:rPr lang="zh-CN" altLang="en-US" sz="2000">
                 <a:solidFill>
-                  <a:srgbClr val="0070C0"/>
-                </a:solidFill>
-                <a:effectLst>
-                  <a:outerShdw blurRad="38100" dist="25400" dir="5400000" algn="ctr" rotWithShape="0">
-                    <a:srgbClr val="6E747A">
-                      <a:alpha val="43000"/>
-                    </a:srgbClr>
-                  </a:outerShdw>
-                </a:effectLst>
+                  <a:schemeClr val="tx1"/>
+                </a:solidFill>
+                <a:effectLst/>
                 <a:latin typeface="微软雅黑" panose="020B0503020204020204" pitchFamily="34" charset="-122"/>
                 <a:ea typeface="微软雅黑" panose="020B0503020204020204" pitchFamily="34" charset="-122"/>
                 <a:cs typeface="微软雅黑" panose="020B0503020204020204" pitchFamily="34" charset="-122"/>
@@ -11508,15 +11477,9 @@
             <a:r>
               <a:rPr lang="en-US" altLang="zh-CN" sz="2000">
                 <a:solidFill>
-                  <a:srgbClr val="0070C0"/>
-                </a:solidFill>
-                <a:effectLst>
-                  <a:outerShdw blurRad="38100" dist="25400" dir="5400000" algn="ctr" rotWithShape="0">
-                    <a:srgbClr val="6E747A">
-                      <a:alpha val="43000"/>
-                    </a:srgbClr>
-                  </a:outerShdw>
-                </a:effectLst>
+                  <a:schemeClr val="tx1"/>
+                </a:solidFill>
+                <a:effectLst/>
                 <a:latin typeface="微软雅黑" panose="020B0503020204020204" pitchFamily="34" charset="-122"/>
                 <a:ea typeface="微软雅黑" panose="020B0503020204020204" pitchFamily="34" charset="-122"/>
                 <a:cs typeface="微软雅黑" panose="020B0503020204020204" pitchFamily="34" charset="-122"/>
@@ -11527,15 +11490,9 @@
             <a:r>
               <a:rPr lang="zh-CN" altLang="en-US" sz="2000">
                 <a:solidFill>
-                  <a:srgbClr val="0070C0"/>
-                </a:solidFill>
-                <a:effectLst>
-                  <a:outerShdw blurRad="38100" dist="25400" dir="5400000" algn="ctr" rotWithShape="0">
-                    <a:srgbClr val="6E747A">
-                      <a:alpha val="43000"/>
-                    </a:srgbClr>
-                  </a:outerShdw>
-                </a:effectLst>
+                  <a:schemeClr val="tx1"/>
+                </a:solidFill>
+                <a:effectLst/>
                 <a:latin typeface="微软雅黑" panose="020B0503020204020204" pitchFamily="34" charset="-122"/>
                 <a:ea typeface="微软雅黑" panose="020B0503020204020204" pitchFamily="34" charset="-122"/>
                 <a:cs typeface="微软雅黑" panose="020B0503020204020204" pitchFamily="34" charset="-122"/>
@@ -11546,15 +11503,9 @@
             <a:r>
               <a:rPr lang="en-US" altLang="zh-CN" sz="2000">
                 <a:solidFill>
-                  <a:srgbClr val="0070C0"/>
-                </a:solidFill>
-                <a:effectLst>
-                  <a:outerShdw blurRad="38100" dist="25400" dir="5400000" algn="ctr" rotWithShape="0">
-                    <a:srgbClr val="6E747A">
-                      <a:alpha val="43000"/>
-                    </a:srgbClr>
-                  </a:outerShdw>
-                </a:effectLst>
+                  <a:schemeClr val="tx1"/>
+                </a:solidFill>
+                <a:effectLst/>
                 <a:latin typeface="微软雅黑" panose="020B0503020204020204" pitchFamily="34" charset="-122"/>
                 <a:ea typeface="微软雅黑" panose="020B0503020204020204" pitchFamily="34" charset="-122"/>
                 <a:cs typeface="微软雅黑" panose="020B0503020204020204" pitchFamily="34" charset="-122"/>
@@ -11565,15 +11516,9 @@
             <a:r>
               <a:rPr lang="zh-CN" altLang="en-US" sz="2000">
                 <a:solidFill>
-                  <a:srgbClr val="0070C0"/>
-                </a:solidFill>
-                <a:effectLst>
-                  <a:outerShdw blurRad="38100" dist="25400" dir="5400000" algn="ctr" rotWithShape="0">
-                    <a:srgbClr val="6E747A">
-                      <a:alpha val="43000"/>
-                    </a:srgbClr>
-                  </a:outerShdw>
-                </a:effectLst>
+                  <a:schemeClr val="tx1"/>
+                </a:solidFill>
+                <a:effectLst/>
                 <a:latin typeface="微软雅黑" panose="020B0503020204020204" pitchFamily="34" charset="-122"/>
                 <a:ea typeface="微软雅黑" panose="020B0503020204020204" pitchFamily="34" charset="-122"/>
                 <a:cs typeface="微软雅黑" panose="020B0503020204020204" pitchFamily="34" charset="-122"/>
@@ -13211,7 +13156,7 @@
             <a:r>
               <a:rPr lang="zh-CN" altLang="en-US" sz="2000">
                 <a:solidFill>
-                  <a:srgbClr val="0070C0"/>
+                  <a:schemeClr val="tx1"/>
                 </a:solidFill>
                 <a:effectLst>
                   <a:outerShdw blurRad="38100" dist="25400" dir="5400000" algn="ctr" rotWithShape="0">
@@ -13229,7 +13174,7 @@
             </a:r>
             <a:endParaRPr lang="zh-CN" altLang="en-US" sz="2000">
               <a:solidFill>
-                <a:srgbClr val="0070C0"/>
+                <a:schemeClr val="tx1"/>
               </a:solidFill>
               <a:effectLst>
                 <a:outerShdw blurRad="38100" dist="25400" dir="5400000" algn="ctr" rotWithShape="0">
@@ -13255,7 +13200,7 @@
             <a:r>
               <a:rPr lang="zh-CN" altLang="en-US" sz="2000">
                 <a:solidFill>
-                  <a:srgbClr val="0070C0"/>
+                  <a:schemeClr val="tx1"/>
                 </a:solidFill>
                 <a:effectLst>
                   <a:outerShdw blurRad="38100" dist="25400" dir="5400000" algn="ctr" rotWithShape="0">
@@ -13273,7 +13218,7 @@
             </a:r>
             <a:endParaRPr lang="zh-CN" altLang="en-US" sz="2000">
               <a:solidFill>
-                <a:srgbClr val="0070C0"/>
+                <a:schemeClr val="tx1"/>
               </a:solidFill>
               <a:effectLst>
                 <a:outerShdw blurRad="38100" dist="25400" dir="5400000" algn="ctr" rotWithShape="0">
@@ -13299,7 +13244,7 @@
             <a:r>
               <a:rPr lang="zh-CN" altLang="en-US" sz="2000">
                 <a:solidFill>
-                  <a:srgbClr val="0070C0"/>
+                  <a:schemeClr val="tx1"/>
                 </a:solidFill>
                 <a:effectLst>
                   <a:outerShdw blurRad="38100" dist="25400" dir="5400000" algn="ctr" rotWithShape="0">
@@ -13317,7 +13262,7 @@
             </a:r>
             <a:endParaRPr lang="zh-CN" altLang="en-US" sz="2000">
               <a:solidFill>
-                <a:srgbClr val="0070C0"/>
+                <a:schemeClr val="tx1"/>
               </a:solidFill>
               <a:effectLst>
                 <a:outerShdw blurRad="38100" dist="25400" dir="5400000" algn="ctr" rotWithShape="0">
@@ -13343,7 +13288,7 @@
             <a:r>
               <a:rPr lang="zh-CN" altLang="en-US" sz="2000">
                 <a:solidFill>
-                  <a:srgbClr val="0070C0"/>
+                  <a:schemeClr val="tx1"/>
                 </a:solidFill>
                 <a:effectLst>
                   <a:outerShdw blurRad="38100" dist="25400" dir="5400000" algn="ctr" rotWithShape="0">
@@ -14991,8 +14936,8 @@
         </p:nvSpPr>
         <p:spPr>
           <a:xfrm>
-            <a:off x="4316730" y="1687830"/>
-            <a:ext cx="4014788" cy="2861310"/>
+            <a:off x="4316730" y="1134110"/>
+            <a:ext cx="4979035" cy="3969385"/>
           </a:xfrm>
           <a:prstGeom prst="rect">
             <a:avLst/>
@@ -15000,7 +14945,7 @@
           <a:noFill/>
         </p:spPr>
         <p:txBody>
-          <a:bodyPr anchor="ctr">
+          <a:bodyPr wrap="square" anchor="ctr">
             <a:spAutoFit/>
           </a:bodyPr>
           <a:p>
@@ -15024,7 +14969,7 @@
                 <a:ea typeface="微软雅黑" panose="020B0503020204020204" pitchFamily="34" charset="-122"/>
                 <a:sym typeface="+mn-ea"/>
               </a:rPr>
-              <a:t>认识海龟</a:t>
+              <a:t>什么是海龟</a:t>
             </a:r>
             <a:endParaRPr lang="en-US" altLang="zh-CN" sz="2400" kern="0" dirty="0">
               <a:solidFill>
@@ -15052,12 +14997,16 @@
               <a:defRPr/>
             </a:pPr>
             <a:r>
-              <a:rPr lang="zh-CN" altLang="en-US" sz="2400" dirty="0" smtClean="0">
+              <a:rPr lang="zh-CN" altLang="en-US" sz="2400" kern="0" dirty="0">
+                <a:solidFill>
+                  <a:srgbClr val="000000"/>
+                </a:solidFill>
                 <a:latin typeface="微软雅黑" panose="020B0503020204020204" pitchFamily="34" charset="-122"/>
                 <a:ea typeface="微软雅黑" panose="020B0503020204020204" pitchFamily="34" charset="-122"/>
-                <a:sym typeface="+mn-ea"/>
+                <a:cs typeface="+mn-cs"/>
+                <a:sym typeface="微软雅黑" panose="020B0503020204020204" pitchFamily="34" charset="-122"/>
               </a:rPr>
-              <a:t>海龟作图</a:t>
+              <a:t>海龟可以做什么</a:t>
             </a:r>
             <a:endParaRPr lang="en-US" altLang="zh-CN" sz="2400" kern="0" dirty="0">
               <a:solidFill>
@@ -15090,7 +15039,7 @@
                 <a:ea typeface="微软雅黑" panose="020B0503020204020204" pitchFamily="34" charset="-122"/>
                 <a:sym typeface="+mn-ea"/>
               </a:rPr>
-              <a:t>海龟运动</a:t>
+              <a:t>海龟怎么变成熊猫</a:t>
             </a:r>
             <a:endParaRPr lang="zh-CN" altLang="en-US" sz="2400" dirty="0" smtClean="0">
               <a:latin typeface="微软雅黑" panose="020B0503020204020204" pitchFamily="34" charset="-122"/>
@@ -15117,9 +15066,62 @@
               <a:rPr lang="zh-CN" altLang="en-US" sz="2400" dirty="0" smtClean="0">
                 <a:latin typeface="微软雅黑" panose="020B0503020204020204" pitchFamily="34" charset="-122"/>
                 <a:ea typeface="微软雅黑" panose="020B0503020204020204" pitchFamily="34" charset="-122"/>
-                <a:sym typeface="+mn-ea"/>
               </a:rPr>
-              <a:t>项目实践</a:t>
+              <a:t>海龟怎么运动</a:t>
+            </a:r>
+            <a:endParaRPr lang="zh-CN" altLang="en-US" sz="2400" dirty="0" smtClean="0">
+              <a:latin typeface="微软雅黑" panose="020B0503020204020204" pitchFamily="34" charset="-122"/>
+              <a:ea typeface="微软雅黑" panose="020B0503020204020204" pitchFamily="34" charset="-122"/>
+            </a:endParaRPr>
+          </a:p>
+          <a:p>
+            <a:pPr marL="342900" indent="-342900" fontAlgn="auto" hangingPunct="0">
+              <a:lnSpc>
+                <a:spcPct val="150000"/>
+              </a:lnSpc>
+              <a:spcBef>
+                <a:spcPts val="0"/>
+              </a:spcBef>
+              <a:spcAft>
+                <a:spcPts val="0"/>
+              </a:spcAft>
+              <a:buFont typeface="Wingdings" panose="05000000000000000000" charset="0"/>
+              <a:buChar char="Ø"/>
+              <a:defRPr/>
+            </a:pPr>
+            <a:r>
+              <a:rPr lang="zh-CN" altLang="en-US" sz="2400" dirty="0" smtClean="0">
+                <a:latin typeface="微软雅黑" panose="020B0503020204020204" pitchFamily="34" charset="-122"/>
+                <a:ea typeface="微软雅黑" panose="020B0503020204020204" pitchFamily="34" charset="-122"/>
+              </a:rPr>
+              <a:t>怎么画圆</a:t>
+            </a:r>
+            <a:endParaRPr lang="zh-CN" altLang="en-US" sz="2400" dirty="0" smtClean="0">
+              <a:latin typeface="微软雅黑" panose="020B0503020204020204" pitchFamily="34" charset="-122"/>
+              <a:ea typeface="微软雅黑" panose="020B0503020204020204" pitchFamily="34" charset="-122"/>
+            </a:endParaRPr>
+          </a:p>
+          <a:p>
+            <a:pPr marL="342900" indent="-342900" fontAlgn="auto" hangingPunct="0">
+              <a:lnSpc>
+                <a:spcPct val="150000"/>
+              </a:lnSpc>
+              <a:spcBef>
+                <a:spcPts val="0"/>
+              </a:spcBef>
+              <a:spcAft>
+                <a:spcPts val="0"/>
+              </a:spcAft>
+              <a:buFont typeface="Wingdings" panose="05000000000000000000" charset="0"/>
+              <a:buChar char="Ø"/>
+              <a:defRPr/>
+            </a:pPr>
+            <a:r>
+              <a:rPr lang="zh-CN" altLang="en-US" sz="2400" dirty="0" smtClean="0">
+                <a:latin typeface="微软雅黑" panose="020B0503020204020204" pitchFamily="34" charset="-122"/>
+                <a:ea typeface="微软雅黑" panose="020B0503020204020204" pitchFamily="34" charset="-122"/>
+              </a:rPr>
+              <a:t>怎么更改画笔的颜色和大小</a:t>
             </a:r>
             <a:endParaRPr lang="zh-CN" altLang="en-US" sz="2400" dirty="0" smtClean="0">
               <a:latin typeface="微软雅黑" panose="020B0503020204020204" pitchFamily="34" charset="-122"/>
@@ -17270,7 +17272,7 @@
         <p:spPr>
           <a:xfrm>
             <a:off x="1390015" y="1620000"/>
-            <a:ext cx="8989695" cy="2553335"/>
+            <a:ext cx="8989695" cy="3169285"/>
           </a:xfrm>
           <a:prstGeom prst="rect">
             <a:avLst/>
@@ -17290,9 +17292,9 @@
               <a:buNone/>
             </a:pPr>
             <a:r>
-              <a:rPr lang="zh-CN" altLang="en-US" sz="2000">
-                <a:solidFill>
-                  <a:srgbClr val="0070C0"/>
+              <a:rPr lang="zh-CN" altLang="en-US" sz="2000" b="1">
+                <a:solidFill>
+                  <a:srgbClr val="FF0000"/>
                 </a:solidFill>
                 <a:effectLst>
                   <a:outerShdw blurRad="38100" dist="25400" dir="5400000" algn="ctr" rotWithShape="0">
@@ -17306,7 +17308,45 @@
                 <a:cs typeface="微软雅黑" panose="020B0503020204020204" pitchFamily="34" charset="-122"/>
                 <a:sym typeface="+mn-ea"/>
               </a:rPr>
-              <a:t>while True:</a:t>
+              <a:t>例</a:t>
+            </a:r>
+            <a:r>
+              <a:rPr lang="en-US" altLang="zh-CN" sz="2000" b="1">
+                <a:solidFill>
+                  <a:srgbClr val="FF0000"/>
+                </a:solidFill>
+                <a:effectLst>
+                  <a:outerShdw blurRad="38100" dist="25400" dir="5400000" algn="ctr" rotWithShape="0">
+                    <a:srgbClr val="6E747A">
+                      <a:alpha val="43000"/>
+                    </a:srgbClr>
+                  </a:outerShdw>
+                </a:effectLst>
+                <a:latin typeface="微软雅黑" panose="020B0503020204020204" pitchFamily="34" charset="-122"/>
+                <a:ea typeface="微软雅黑" panose="020B0503020204020204" pitchFamily="34" charset="-122"/>
+                <a:cs typeface="微软雅黑" panose="020B0503020204020204" pitchFamily="34" charset="-122"/>
+                <a:sym typeface="+mn-ea"/>
+              </a:rPr>
+              <a:t>1</a:t>
+            </a:r>
+            <a:r>
+              <a:rPr lang="zh-CN" altLang="en-US" sz="2000" b="1">
+                <a:solidFill>
+                  <a:srgbClr val="FF0000"/>
+                </a:solidFill>
+                <a:effectLst>
+                  <a:outerShdw blurRad="38100" dist="25400" dir="5400000" algn="ctr" rotWithShape="0">
+                    <a:srgbClr val="6E747A">
+                      <a:alpha val="43000"/>
+                    </a:srgbClr>
+                  </a:outerShdw>
+                </a:effectLst>
+                <a:latin typeface="微软雅黑" panose="020B0503020204020204" pitchFamily="34" charset="-122"/>
+                <a:ea typeface="微软雅黑" panose="020B0503020204020204" pitchFamily="34" charset="-122"/>
+                <a:cs typeface="微软雅黑" panose="020B0503020204020204" pitchFamily="34" charset="-122"/>
+                <a:sym typeface="+mn-ea"/>
+              </a:rPr>
+              <a:t>：</a:t>
             </a:r>
             <a:endParaRPr lang="zh-CN" altLang="en-US" sz="2000">
               <a:solidFill>
@@ -17336,15 +17376,41 @@
             <a:r>
               <a:rPr lang="zh-CN" altLang="en-US" sz="2000">
                 <a:solidFill>
-                  <a:srgbClr val="0070C0"/>
-                </a:solidFill>
-                <a:effectLst>
-                  <a:outerShdw blurRad="38100" dist="25400" dir="5400000" algn="ctr" rotWithShape="0">
-                    <a:srgbClr val="6E747A">
-                      <a:alpha val="43000"/>
-                    </a:srgbClr>
-                  </a:outerShdw>
-                </a:effectLst>
+                  <a:schemeClr val="tx1"/>
+                </a:solidFill>
+                <a:effectLst/>
+                <a:latin typeface="微软雅黑" panose="020B0503020204020204" pitchFamily="34" charset="-122"/>
+                <a:ea typeface="微软雅黑" panose="020B0503020204020204" pitchFamily="34" charset="-122"/>
+                <a:cs typeface="微软雅黑" panose="020B0503020204020204" pitchFamily="34" charset="-122"/>
+                <a:sym typeface="+mn-ea"/>
+              </a:rPr>
+              <a:t>while True:</a:t>
+            </a:r>
+            <a:endParaRPr lang="zh-CN" altLang="en-US" sz="2000">
+              <a:solidFill>
+                <a:schemeClr val="tx1"/>
+              </a:solidFill>
+              <a:effectLst/>
+              <a:latin typeface="微软雅黑" panose="020B0503020204020204" pitchFamily="34" charset="-122"/>
+              <a:ea typeface="微软雅黑" panose="020B0503020204020204" pitchFamily="34" charset="-122"/>
+              <a:cs typeface="微软雅黑" panose="020B0503020204020204" pitchFamily="34" charset="-122"/>
+              <a:sym typeface="+mn-ea"/>
+            </a:endParaRPr>
+          </a:p>
+          <a:p>
+            <a:pPr marL="0" indent="0" algn="l">
+              <a:lnSpc>
+                <a:spcPct val="200000"/>
+              </a:lnSpc>
+              <a:buFont typeface="Arial" panose="020B0604020202020204" pitchFamily="34" charset="0"/>
+              <a:buNone/>
+            </a:pPr>
+            <a:r>
+              <a:rPr lang="zh-CN" altLang="en-US" sz="2000">
+                <a:solidFill>
+                  <a:schemeClr val="tx1"/>
+                </a:solidFill>
+                <a:effectLst/>
                 <a:latin typeface="微软雅黑" panose="020B0503020204020204" pitchFamily="34" charset="-122"/>
                 <a:ea typeface="微软雅黑" panose="020B0503020204020204" pitchFamily="34" charset="-122"/>
                 <a:cs typeface="微软雅黑" panose="020B0503020204020204" pitchFamily="34" charset="-122"/>
@@ -17355,15 +17421,9 @@
             <a:r>
               <a:rPr lang="en-US" altLang="zh-CN" sz="2000">
                 <a:solidFill>
-                  <a:srgbClr val="0070C0"/>
-                </a:solidFill>
-                <a:effectLst>
-                  <a:outerShdw blurRad="38100" dist="25400" dir="5400000" algn="ctr" rotWithShape="0">
-                    <a:srgbClr val="6E747A">
-                      <a:alpha val="43000"/>
-                    </a:srgbClr>
-                  </a:outerShdw>
-                </a:effectLst>
+                  <a:schemeClr val="tx1"/>
+                </a:solidFill>
+                <a:effectLst/>
                 <a:latin typeface="微软雅黑" panose="020B0503020204020204" pitchFamily="34" charset="-122"/>
                 <a:ea typeface="微软雅黑" panose="020B0503020204020204" pitchFamily="34" charset="-122"/>
                 <a:cs typeface="微软雅黑" panose="020B0503020204020204" pitchFamily="34" charset="-122"/>
@@ -17374,15 +17434,9 @@
             <a:r>
               <a:rPr lang="zh-CN" altLang="en-US" sz="2000">
                 <a:solidFill>
-                  <a:srgbClr val="0070C0"/>
-                </a:solidFill>
-                <a:effectLst>
-                  <a:outerShdw blurRad="38100" dist="25400" dir="5400000" algn="ctr" rotWithShape="0">
-                    <a:srgbClr val="6E747A">
-                      <a:alpha val="43000"/>
-                    </a:srgbClr>
-                  </a:outerShdw>
-                </a:effectLst>
+                  <a:schemeClr val="tx1"/>
+                </a:solidFill>
+                <a:effectLst/>
                 <a:latin typeface="微软雅黑" panose="020B0503020204020204" pitchFamily="34" charset="-122"/>
                 <a:ea typeface="微软雅黑" panose="020B0503020204020204" pitchFamily="34" charset="-122"/>
                 <a:cs typeface="微软雅黑" panose="020B0503020204020204" pitchFamily="34" charset="-122"/>
@@ -17392,15 +17446,9 @@
             </a:r>
             <a:endParaRPr lang="zh-CN" altLang="en-US" sz="2000">
               <a:solidFill>
-                <a:srgbClr val="0070C0"/>
+                <a:schemeClr val="tx1"/>
               </a:solidFill>
-              <a:effectLst>
-                <a:outerShdw blurRad="38100" dist="25400" dir="5400000" algn="ctr" rotWithShape="0">
-                  <a:srgbClr val="6E747A">
-                    <a:alpha val="43000"/>
-                  </a:srgbClr>
-                </a:outerShdw>
-              </a:effectLst>
+              <a:effectLst/>
               <a:latin typeface="微软雅黑" panose="020B0503020204020204" pitchFamily="34" charset="-122"/>
               <a:ea typeface="微软雅黑" panose="020B0503020204020204" pitchFamily="34" charset="-122"/>
               <a:cs typeface="微软雅黑" panose="020B0503020204020204" pitchFamily="34" charset="-122"/>
@@ -17418,15 +17466,9 @@
             <a:r>
               <a:rPr lang="zh-CN" altLang="en-US" sz="2000">
                 <a:solidFill>
-                  <a:srgbClr val="0070C0"/>
-                </a:solidFill>
-                <a:effectLst>
-                  <a:outerShdw blurRad="38100" dist="25400" dir="5400000" algn="ctr" rotWithShape="0">
-                    <a:srgbClr val="6E747A">
-                      <a:alpha val="43000"/>
-                    </a:srgbClr>
-                  </a:outerShdw>
-                </a:effectLst>
+                  <a:schemeClr val="tx1"/>
+                </a:solidFill>
+                <a:effectLst/>
                 <a:latin typeface="微软雅黑" panose="020B0503020204020204" pitchFamily="34" charset="-122"/>
                 <a:ea typeface="微软雅黑" panose="020B0503020204020204" pitchFamily="34" charset="-122"/>
                 <a:cs typeface="微软雅黑" panose="020B0503020204020204" pitchFamily="34" charset="-122"/>
@@ -17437,15 +17479,9 @@
             <a:r>
               <a:rPr lang="en-US" altLang="zh-CN" sz="2000">
                 <a:solidFill>
-                  <a:srgbClr val="0070C0"/>
-                </a:solidFill>
-                <a:effectLst>
-                  <a:outerShdw blurRad="38100" dist="25400" dir="5400000" algn="ctr" rotWithShape="0">
-                    <a:srgbClr val="6E747A">
-                      <a:alpha val="43000"/>
-                    </a:srgbClr>
-                  </a:outerShdw>
-                </a:effectLst>
+                  <a:schemeClr val="tx1"/>
+                </a:solidFill>
+                <a:effectLst/>
                 <a:latin typeface="微软雅黑" panose="020B0503020204020204" pitchFamily="34" charset="-122"/>
                 <a:ea typeface="微软雅黑" panose="020B0503020204020204" pitchFamily="34" charset="-122"/>
                 <a:cs typeface="微软雅黑" panose="020B0503020204020204" pitchFamily="34" charset="-122"/>
@@ -17456,15 +17492,9 @@
             <a:r>
               <a:rPr lang="zh-CN" altLang="en-US" sz="2000">
                 <a:solidFill>
-                  <a:srgbClr val="0070C0"/>
-                </a:solidFill>
-                <a:effectLst>
-                  <a:outerShdw blurRad="38100" dist="25400" dir="5400000" algn="ctr" rotWithShape="0">
-                    <a:srgbClr val="6E747A">
-                      <a:alpha val="43000"/>
-                    </a:srgbClr>
-                  </a:outerShdw>
-                </a:effectLst>
+                  <a:schemeClr val="tx1"/>
+                </a:solidFill>
+                <a:effectLst/>
                 <a:latin typeface="微软雅黑" panose="020B0503020204020204" pitchFamily="34" charset="-122"/>
                 <a:ea typeface="微软雅黑" panose="020B0503020204020204" pitchFamily="34" charset="-122"/>
                 <a:cs typeface="微软雅黑" panose="020B0503020204020204" pitchFamily="34" charset="-122"/>
@@ -17474,15 +17504,9 @@
             </a:r>
             <a:endParaRPr lang="zh-CN" altLang="en-US" sz="2000">
               <a:solidFill>
-                <a:srgbClr val="0070C0"/>
+                <a:schemeClr val="tx1"/>
               </a:solidFill>
-              <a:effectLst>
-                <a:outerShdw blurRad="38100" dist="25400" dir="5400000" algn="ctr" rotWithShape="0">
-                  <a:srgbClr val="6E747A">
-                    <a:alpha val="43000"/>
-                  </a:srgbClr>
-                </a:outerShdw>
-              </a:effectLst>
+              <a:effectLst/>
               <a:latin typeface="微软雅黑" panose="020B0503020204020204" pitchFamily="34" charset="-122"/>
               <a:ea typeface="微软雅黑" panose="020B0503020204020204" pitchFamily="34" charset="-122"/>
               <a:cs typeface="微软雅黑" panose="020B0503020204020204" pitchFamily="34" charset="-122"/>
@@ -17500,15 +17524,9 @@
             <a:r>
               <a:rPr lang="zh-CN" altLang="en-US" sz="2000">
                 <a:solidFill>
-                  <a:srgbClr val="0070C0"/>
-                </a:solidFill>
-                <a:effectLst>
-                  <a:outerShdw blurRad="38100" dist="25400" dir="5400000" algn="ctr" rotWithShape="0">
-                    <a:srgbClr val="6E747A">
-                      <a:alpha val="43000"/>
-                    </a:srgbClr>
-                  </a:outerShdw>
-                </a:effectLst>
+                  <a:schemeClr val="tx1"/>
+                </a:solidFill>
+                <a:effectLst/>
                 <a:latin typeface="微软雅黑" panose="020B0503020204020204" pitchFamily="34" charset="-122"/>
                 <a:ea typeface="微软雅黑" panose="020B0503020204020204" pitchFamily="34" charset="-122"/>
                 <a:cs typeface="微软雅黑" panose="020B0503020204020204" pitchFamily="34" charset="-122"/>
@@ -17519,15 +17537,9 @@
             <a:r>
               <a:rPr lang="en-US" altLang="zh-CN" sz="2000">
                 <a:solidFill>
-                  <a:srgbClr val="0070C0"/>
-                </a:solidFill>
-                <a:effectLst>
-                  <a:outerShdw blurRad="38100" dist="25400" dir="5400000" algn="ctr" rotWithShape="0">
-                    <a:srgbClr val="6E747A">
-                      <a:alpha val="43000"/>
-                    </a:srgbClr>
-                  </a:outerShdw>
-                </a:effectLst>
+                  <a:schemeClr val="tx1"/>
+                </a:solidFill>
+                <a:effectLst/>
                 <a:latin typeface="微软雅黑" panose="020B0503020204020204" pitchFamily="34" charset="-122"/>
                 <a:ea typeface="微软雅黑" panose="020B0503020204020204" pitchFamily="34" charset="-122"/>
                 <a:cs typeface="微软雅黑" panose="020B0503020204020204" pitchFamily="34" charset="-122"/>
@@ -17537,15 +17549,9 @@
             </a:r>
             <a:endParaRPr lang="en-US" altLang="zh-CN" sz="2000">
               <a:solidFill>
-                <a:srgbClr val="0070C0"/>
+                <a:schemeClr val="tx1"/>
               </a:solidFill>
-              <a:effectLst>
-                <a:outerShdw blurRad="38100" dist="25400" dir="5400000" algn="ctr" rotWithShape="0">
-                  <a:srgbClr val="6E747A">
-                    <a:alpha val="43000"/>
-                  </a:srgbClr>
-                </a:outerShdw>
-              </a:effectLst>
+              <a:effectLst/>
               <a:latin typeface="微软雅黑" panose="020B0503020204020204" pitchFamily="34" charset="-122"/>
               <a:ea typeface="微软雅黑" panose="020B0503020204020204" pitchFamily="34" charset="-122"/>
               <a:cs typeface="微软雅黑" panose="020B0503020204020204" pitchFamily="34" charset="-122"/>
@@ -17634,7 +17640,7 @@
         </p:nvSpPr>
         <p:spPr>
           <a:xfrm>
-            <a:off x="1304925" y="4404995"/>
+            <a:off x="1390015" y="5167630"/>
             <a:ext cx="6632575" cy="645160"/>
           </a:xfrm>
           <a:prstGeom prst="rect">
@@ -18712,7 +18718,7 @@
         <p:spPr>
           <a:xfrm>
             <a:off x="1069975" y="1760220"/>
-            <a:ext cx="8989695" cy="3169285"/>
+            <a:ext cx="8989695" cy="3784600"/>
           </a:xfrm>
           <a:prstGeom prst="rect">
             <a:avLst/>
@@ -18732,9 +18738,9 @@
               <a:buNone/>
             </a:pPr>
             <a:r>
-              <a:rPr lang="en-US" sz="2000">
-                <a:solidFill>
-                  <a:srgbClr val="0070C0"/>
+              <a:rPr lang="zh-CN" altLang="en-US" sz="2000" b="1">
+                <a:solidFill>
+                  <a:srgbClr val="FF0000"/>
                 </a:solidFill>
                 <a:effectLst>
                   <a:outerShdw blurRad="38100" dist="25400" dir="5400000" algn="ctr" rotWithShape="0">
@@ -18748,12 +18754,12 @@
                 <a:cs typeface="微软雅黑" panose="020B0503020204020204" pitchFamily="34" charset="-122"/>
                 <a:sym typeface="+mn-ea"/>
               </a:rPr>
-              <a:t>text</a:t>
-            </a:r>
-            <a:r>
-              <a:rPr sz="2000">
-                <a:solidFill>
-                  <a:srgbClr val="0070C0"/>
+              <a:t>例</a:t>
+            </a:r>
+            <a:r>
+              <a:rPr lang="en-US" altLang="zh-CN" sz="2000" b="1">
+                <a:solidFill>
+                  <a:srgbClr val="FF0000"/>
                 </a:solidFill>
                 <a:effectLst>
                   <a:outerShdw blurRad="38100" dist="25400" dir="5400000" algn="ctr" rotWithShape="0">
@@ -18767,9 +18773,28 @@
                 <a:cs typeface="微软雅黑" panose="020B0503020204020204" pitchFamily="34" charset="-122"/>
                 <a:sym typeface="+mn-ea"/>
               </a:rPr>
-              <a:t> = 'Hello World!'</a:t>
-            </a:r>
-            <a:endParaRPr sz="2000">
+              <a:t>2</a:t>
+            </a:r>
+            <a:r>
+              <a:rPr lang="zh-CN" altLang="en-US" sz="2000" b="1">
+                <a:solidFill>
+                  <a:srgbClr val="FF0000"/>
+                </a:solidFill>
+                <a:effectLst>
+                  <a:outerShdw blurRad="38100" dist="25400" dir="5400000" algn="ctr" rotWithShape="0">
+                    <a:srgbClr val="6E747A">
+                      <a:alpha val="43000"/>
+                    </a:srgbClr>
+                  </a:outerShdw>
+                </a:effectLst>
+                <a:latin typeface="微软雅黑" panose="020B0503020204020204" pitchFamily="34" charset="-122"/>
+                <a:ea typeface="微软雅黑" panose="020B0503020204020204" pitchFamily="34" charset="-122"/>
+                <a:cs typeface="微软雅黑" panose="020B0503020204020204" pitchFamily="34" charset="-122"/>
+                <a:sym typeface="+mn-ea"/>
+              </a:rPr>
+              <a:t>：</a:t>
+            </a:r>
+            <a:endParaRPr lang="en-US" sz="2000">
               <a:solidFill>
                 <a:srgbClr val="0070C0"/>
               </a:solidFill>
@@ -18795,17 +18820,56 @@
               <a:buNone/>
             </a:pPr>
             <a:r>
+              <a:rPr lang="en-US" sz="2000">
+                <a:solidFill>
+                  <a:schemeClr val="tx1"/>
+                </a:solidFill>
+                <a:effectLst/>
+                <a:latin typeface="微软雅黑" panose="020B0503020204020204" pitchFamily="34" charset="-122"/>
+                <a:ea typeface="微软雅黑" panose="020B0503020204020204" pitchFamily="34" charset="-122"/>
+                <a:cs typeface="微软雅黑" panose="020B0503020204020204" pitchFamily="34" charset="-122"/>
+                <a:sym typeface="+mn-ea"/>
+              </a:rPr>
+              <a:t>text</a:t>
+            </a:r>
+            <a:r>
               <a:rPr sz="2000">
                 <a:solidFill>
-                  <a:srgbClr val="0070C0"/>
-                </a:solidFill>
-                <a:effectLst>
-                  <a:outerShdw blurRad="38100" dist="25400" dir="5400000" algn="ctr" rotWithShape="0">
-                    <a:srgbClr val="6E747A">
-                      <a:alpha val="43000"/>
-                    </a:srgbClr>
-                  </a:outerShdw>
-                </a:effectLst>
+                  <a:schemeClr val="tx1"/>
+                </a:solidFill>
+                <a:effectLst/>
+                <a:latin typeface="微软雅黑" panose="020B0503020204020204" pitchFamily="34" charset="-122"/>
+                <a:ea typeface="微软雅黑" panose="020B0503020204020204" pitchFamily="34" charset="-122"/>
+                <a:cs typeface="微软雅黑" panose="020B0503020204020204" pitchFamily="34" charset="-122"/>
+                <a:sym typeface="+mn-ea"/>
+              </a:rPr>
+              <a:t> = 'Hello World!'</a:t>
+            </a:r>
+            <a:endParaRPr sz="2000">
+              <a:solidFill>
+                <a:schemeClr val="tx1"/>
+              </a:solidFill>
+              <a:effectLst/>
+              <a:latin typeface="微软雅黑" panose="020B0503020204020204" pitchFamily="34" charset="-122"/>
+              <a:ea typeface="微软雅黑" panose="020B0503020204020204" pitchFamily="34" charset="-122"/>
+              <a:cs typeface="微软雅黑" panose="020B0503020204020204" pitchFamily="34" charset="-122"/>
+              <a:sym typeface="+mn-ea"/>
+            </a:endParaRPr>
+          </a:p>
+          <a:p>
+            <a:pPr marL="0" indent="0" algn="l">
+              <a:lnSpc>
+                <a:spcPct val="200000"/>
+              </a:lnSpc>
+              <a:buFont typeface="Arial" panose="020B0604020202020204" pitchFamily="34" charset="0"/>
+              <a:buNone/>
+            </a:pPr>
+            <a:r>
+              <a:rPr sz="2000">
+                <a:solidFill>
+                  <a:schemeClr val="tx1"/>
+                </a:solidFill>
+                <a:effectLst/>
                 <a:latin typeface="微软雅黑" panose="020B0503020204020204" pitchFamily="34" charset="-122"/>
                 <a:ea typeface="微软雅黑" panose="020B0503020204020204" pitchFamily="34" charset="-122"/>
                 <a:cs typeface="微软雅黑" panose="020B0503020204020204" pitchFamily="34" charset="-122"/>
@@ -18816,15 +18880,9 @@
             <a:r>
               <a:rPr lang="zh-CN" sz="2000">
                 <a:solidFill>
-                  <a:srgbClr val="0070C0"/>
-                </a:solidFill>
-                <a:effectLst>
-                  <a:outerShdw blurRad="38100" dist="25400" dir="5400000" algn="ctr" rotWithShape="0">
-                    <a:srgbClr val="6E747A">
-                      <a:alpha val="43000"/>
-                    </a:srgbClr>
-                  </a:outerShdw>
-                </a:effectLst>
+                  <a:schemeClr val="tx1"/>
+                </a:solidFill>
+                <a:effectLst/>
                 <a:latin typeface="微软雅黑" panose="020B0503020204020204" pitchFamily="34" charset="-122"/>
                 <a:ea typeface="微软雅黑" panose="020B0503020204020204" pitchFamily="34" charset="-122"/>
                 <a:cs typeface="微软雅黑" panose="020B0503020204020204" pitchFamily="34" charset="-122"/>
@@ -18835,15 +18893,9 @@
             <a:r>
               <a:rPr lang="en-US" altLang="zh-CN" sz="2000">
                 <a:solidFill>
-                  <a:srgbClr val="0070C0"/>
-                </a:solidFill>
-                <a:effectLst>
-                  <a:outerShdw blurRad="38100" dist="25400" dir="5400000" algn="ctr" rotWithShape="0">
-                    <a:srgbClr val="6E747A">
-                      <a:alpha val="43000"/>
-                    </a:srgbClr>
-                  </a:outerShdw>
-                </a:effectLst>
+                  <a:schemeClr val="tx1"/>
+                </a:solidFill>
+                <a:effectLst/>
                 <a:latin typeface="微软雅黑" panose="020B0503020204020204" pitchFamily="34" charset="-122"/>
                 <a:ea typeface="微软雅黑" panose="020B0503020204020204" pitchFamily="34" charset="-122"/>
                 <a:cs typeface="微软雅黑" panose="020B0503020204020204" pitchFamily="34" charset="-122"/>
@@ -18854,15 +18906,9 @@
             <a:r>
               <a:rPr lang="zh-CN" altLang="en-US" sz="2000">
                 <a:solidFill>
-                  <a:srgbClr val="0070C0"/>
-                </a:solidFill>
-                <a:effectLst>
-                  <a:outerShdw blurRad="38100" dist="25400" dir="5400000" algn="ctr" rotWithShape="0">
-                    <a:srgbClr val="6E747A">
-                      <a:alpha val="43000"/>
-                    </a:srgbClr>
-                  </a:outerShdw>
-                </a:effectLst>
+                  <a:schemeClr val="tx1"/>
+                </a:solidFill>
+                <a:effectLst/>
                 <a:latin typeface="微软雅黑" panose="020B0503020204020204" pitchFamily="34" charset="-122"/>
                 <a:ea typeface="微软雅黑" panose="020B0503020204020204" pitchFamily="34" charset="-122"/>
                 <a:cs typeface="微软雅黑" panose="020B0503020204020204" pitchFamily="34" charset="-122"/>
@@ -18873,15 +18919,9 @@
             <a:r>
               <a:rPr sz="2000">
                 <a:solidFill>
-                  <a:srgbClr val="0070C0"/>
-                </a:solidFill>
-                <a:effectLst>
-                  <a:outerShdw blurRad="38100" dist="25400" dir="5400000" algn="ctr" rotWithShape="0">
-                    <a:srgbClr val="6E747A">
-                      <a:alpha val="43000"/>
-                    </a:srgbClr>
-                  </a:outerShdw>
-                </a:effectLst>
+                  <a:schemeClr val="tx1"/>
+                </a:solidFill>
+                <a:effectLst/>
                 <a:latin typeface="微软雅黑" panose="020B0503020204020204" pitchFamily="34" charset="-122"/>
                 <a:ea typeface="微软雅黑" panose="020B0503020204020204" pitchFamily="34" charset="-122"/>
                 <a:cs typeface="微软雅黑" panose="020B0503020204020204" pitchFamily="34" charset="-122"/>
@@ -18892,15 +18932,9 @@
             <a:r>
               <a:rPr lang="en-US" sz="2000">
                 <a:solidFill>
-                  <a:srgbClr val="0070C0"/>
-                </a:solidFill>
-                <a:effectLst>
-                  <a:outerShdw blurRad="38100" dist="25400" dir="5400000" algn="ctr" rotWithShape="0">
-                    <a:srgbClr val="6E747A">
-                      <a:alpha val="43000"/>
-                    </a:srgbClr>
-                  </a:outerShdw>
-                </a:effectLst>
+                  <a:schemeClr val="tx1"/>
+                </a:solidFill>
+                <a:effectLst/>
                 <a:latin typeface="微软雅黑" panose="020B0503020204020204" pitchFamily="34" charset="-122"/>
                 <a:ea typeface="微软雅黑" panose="020B0503020204020204" pitchFamily="34" charset="-122"/>
                 <a:cs typeface="微软雅黑" panose="020B0503020204020204" pitchFamily="34" charset="-122"/>
@@ -18911,15 +18945,9 @@
             <a:r>
               <a:rPr sz="2000">
                 <a:solidFill>
-                  <a:srgbClr val="0070C0"/>
-                </a:solidFill>
-                <a:effectLst>
-                  <a:outerShdw blurRad="38100" dist="25400" dir="5400000" algn="ctr" rotWithShape="0">
-                    <a:srgbClr val="6E747A">
-                      <a:alpha val="43000"/>
-                    </a:srgbClr>
-                  </a:outerShdw>
-                </a:effectLst>
+                  <a:schemeClr val="tx1"/>
+                </a:solidFill>
+                <a:effectLst/>
                 <a:latin typeface="微软雅黑" panose="020B0503020204020204" pitchFamily="34" charset="-122"/>
                 <a:ea typeface="微软雅黑" panose="020B0503020204020204" pitchFamily="34" charset="-122"/>
                 <a:cs typeface="微软雅黑" panose="020B0503020204020204" pitchFamily="34" charset="-122"/>
@@ -18929,15 +18957,9 @@
             </a:r>
             <a:endParaRPr sz="2000">
               <a:solidFill>
-                <a:srgbClr val="0070C0"/>
+                <a:schemeClr val="tx1"/>
               </a:solidFill>
-              <a:effectLst>
-                <a:outerShdw blurRad="38100" dist="25400" dir="5400000" algn="ctr" rotWithShape="0">
-                  <a:srgbClr val="6E747A">
-                    <a:alpha val="43000"/>
-                  </a:srgbClr>
-                </a:outerShdw>
-              </a:effectLst>
+              <a:effectLst/>
               <a:latin typeface="微软雅黑" panose="020B0503020204020204" pitchFamily="34" charset="-122"/>
               <a:ea typeface="微软雅黑" panose="020B0503020204020204" pitchFamily="34" charset="-122"/>
               <a:cs typeface="微软雅黑" panose="020B0503020204020204" pitchFamily="34" charset="-122"/>
@@ -18955,15 +18977,9 @@
             <a:r>
               <a:rPr sz="2000">
                 <a:solidFill>
-                  <a:srgbClr val="0070C0"/>
-                </a:solidFill>
-                <a:effectLst>
-                  <a:outerShdw blurRad="38100" dist="25400" dir="5400000" algn="ctr" rotWithShape="0">
-                    <a:srgbClr val="6E747A">
-                      <a:alpha val="43000"/>
-                    </a:srgbClr>
-                  </a:outerShdw>
-                </a:effectLst>
+                  <a:schemeClr val="tx1"/>
+                </a:solidFill>
+                <a:effectLst/>
                 <a:latin typeface="微软雅黑" panose="020B0503020204020204" pitchFamily="34" charset="-122"/>
                 <a:ea typeface="微软雅黑" panose="020B0503020204020204" pitchFamily="34" charset="-122"/>
                 <a:cs typeface="微软雅黑" panose="020B0503020204020204" pitchFamily="34" charset="-122"/>
@@ -18974,15 +18990,9 @@
             <a:r>
               <a:rPr lang="zh-CN" sz="2000">
                 <a:solidFill>
-                  <a:srgbClr val="0070C0"/>
-                </a:solidFill>
-                <a:effectLst>
-                  <a:outerShdw blurRad="38100" dist="25400" dir="5400000" algn="ctr" rotWithShape="0">
-                    <a:srgbClr val="6E747A">
-                      <a:alpha val="43000"/>
-                    </a:srgbClr>
-                  </a:outerShdw>
-                </a:effectLst>
+                  <a:schemeClr val="tx1"/>
+                </a:solidFill>
+                <a:effectLst/>
                 <a:latin typeface="微软雅黑" panose="020B0503020204020204" pitchFamily="34" charset="-122"/>
                 <a:ea typeface="微软雅黑" panose="020B0503020204020204" pitchFamily="34" charset="-122"/>
                 <a:cs typeface="微软雅黑" panose="020B0503020204020204" pitchFamily="34" charset="-122"/>
@@ -18993,15 +19003,9 @@
             <a:r>
               <a:rPr lang="en-US" altLang="zh-CN" sz="2000">
                 <a:solidFill>
-                  <a:srgbClr val="0070C0"/>
-                </a:solidFill>
-                <a:effectLst>
-                  <a:outerShdw blurRad="38100" dist="25400" dir="5400000" algn="ctr" rotWithShape="0">
-                    <a:srgbClr val="6E747A">
-                      <a:alpha val="43000"/>
-                    </a:srgbClr>
-                  </a:outerShdw>
-                </a:effectLst>
+                  <a:schemeClr val="tx1"/>
+                </a:solidFill>
+                <a:effectLst/>
                 <a:latin typeface="微软雅黑" panose="020B0503020204020204" pitchFamily="34" charset="-122"/>
                 <a:ea typeface="微软雅黑" panose="020B0503020204020204" pitchFamily="34" charset="-122"/>
                 <a:cs typeface="微软雅黑" panose="020B0503020204020204" pitchFamily="34" charset="-122"/>
@@ -19012,15 +19016,9 @@
             <a:r>
               <a:rPr lang="zh-CN" altLang="en-US" sz="2000">
                 <a:solidFill>
-                  <a:srgbClr val="0070C0"/>
-                </a:solidFill>
-                <a:effectLst>
-                  <a:outerShdw blurRad="38100" dist="25400" dir="5400000" algn="ctr" rotWithShape="0">
-                    <a:srgbClr val="6E747A">
-                      <a:alpha val="43000"/>
-                    </a:srgbClr>
-                  </a:outerShdw>
-                </a:effectLst>
+                  <a:schemeClr val="tx1"/>
+                </a:solidFill>
+                <a:effectLst/>
                 <a:latin typeface="微软雅黑" panose="020B0503020204020204" pitchFamily="34" charset="-122"/>
                 <a:ea typeface="微软雅黑" panose="020B0503020204020204" pitchFamily="34" charset="-122"/>
                 <a:cs typeface="微软雅黑" panose="020B0503020204020204" pitchFamily="34" charset="-122"/>
@@ -19031,15 +19029,9 @@
             <a:r>
               <a:rPr lang="en-US" altLang="zh-CN" sz="2000">
                 <a:solidFill>
-                  <a:srgbClr val="0070C0"/>
-                </a:solidFill>
-                <a:effectLst>
-                  <a:outerShdw blurRad="38100" dist="25400" dir="5400000" algn="ctr" rotWithShape="0">
-                    <a:srgbClr val="6E747A">
-                      <a:alpha val="43000"/>
-                    </a:srgbClr>
-                  </a:outerShdw>
-                </a:effectLst>
+                  <a:schemeClr val="tx1"/>
+                </a:solidFill>
+                <a:effectLst/>
                 <a:latin typeface="微软雅黑" panose="020B0503020204020204" pitchFamily="34" charset="-122"/>
                 <a:ea typeface="微软雅黑" panose="020B0503020204020204" pitchFamily="34" charset="-122"/>
                 <a:cs typeface="微软雅黑" panose="020B0503020204020204" pitchFamily="34" charset="-122"/>
@@ -19050,15 +19042,9 @@
             <a:r>
               <a:rPr lang="zh-CN" altLang="en-US" sz="2000">
                 <a:solidFill>
-                  <a:srgbClr val="0070C0"/>
-                </a:solidFill>
-                <a:effectLst>
-                  <a:outerShdw blurRad="38100" dist="25400" dir="5400000" algn="ctr" rotWithShape="0">
-                    <a:srgbClr val="6E747A">
-                      <a:alpha val="43000"/>
-                    </a:srgbClr>
-                  </a:outerShdw>
-                </a:effectLst>
+                  <a:schemeClr val="tx1"/>
+                </a:solidFill>
+                <a:effectLst/>
                 <a:latin typeface="微软雅黑" panose="020B0503020204020204" pitchFamily="34" charset="-122"/>
                 <a:ea typeface="微软雅黑" panose="020B0503020204020204" pitchFamily="34" charset="-122"/>
                 <a:cs typeface="微软雅黑" panose="020B0503020204020204" pitchFamily="34" charset="-122"/>
@@ -19069,15 +19055,9 @@
             <a:r>
               <a:rPr sz="2000">
                 <a:solidFill>
-                  <a:srgbClr val="0070C0"/>
-                </a:solidFill>
-                <a:effectLst>
-                  <a:outerShdw blurRad="38100" dist="25400" dir="5400000" algn="ctr" rotWithShape="0">
-                    <a:srgbClr val="6E747A">
-                      <a:alpha val="43000"/>
-                    </a:srgbClr>
-                  </a:outerShdw>
-                </a:effectLst>
+                  <a:schemeClr val="tx1"/>
+                </a:solidFill>
+                <a:effectLst/>
                 <a:latin typeface="微软雅黑" panose="020B0503020204020204" pitchFamily="34" charset="-122"/>
                 <a:ea typeface="微软雅黑" panose="020B0503020204020204" pitchFamily="34" charset="-122"/>
                 <a:cs typeface="微软雅黑" panose="020B0503020204020204" pitchFamily="34" charset="-122"/>
@@ -19088,15 +19068,9 @@
             <a:r>
               <a:rPr lang="en-US" sz="2000">
                 <a:solidFill>
-                  <a:srgbClr val="0070C0"/>
-                </a:solidFill>
-                <a:effectLst>
-                  <a:outerShdw blurRad="38100" dist="25400" dir="5400000" algn="ctr" rotWithShape="0">
-                    <a:srgbClr val="6E747A">
-                      <a:alpha val="43000"/>
-                    </a:srgbClr>
-                  </a:outerShdw>
-                </a:effectLst>
+                  <a:schemeClr val="tx1"/>
+                </a:solidFill>
+                <a:effectLst/>
                 <a:latin typeface="微软雅黑" panose="020B0503020204020204" pitchFamily="34" charset="-122"/>
                 <a:ea typeface="微软雅黑" panose="020B0503020204020204" pitchFamily="34" charset="-122"/>
                 <a:cs typeface="微软雅黑" panose="020B0503020204020204" pitchFamily="34" charset="-122"/>
@@ -19107,15 +19081,9 @@
             <a:r>
               <a:rPr sz="2000">
                 <a:solidFill>
-                  <a:srgbClr val="0070C0"/>
-                </a:solidFill>
-                <a:effectLst>
-                  <a:outerShdw blurRad="38100" dist="25400" dir="5400000" algn="ctr" rotWithShape="0">
-                    <a:srgbClr val="6E747A">
-                      <a:alpha val="43000"/>
-                    </a:srgbClr>
-                  </a:outerShdw>
-                </a:effectLst>
+                  <a:schemeClr val="tx1"/>
+                </a:solidFill>
+                <a:effectLst/>
                 <a:latin typeface="微软雅黑" panose="020B0503020204020204" pitchFamily="34" charset="-122"/>
                 <a:ea typeface="微软雅黑" panose="020B0503020204020204" pitchFamily="34" charset="-122"/>
                 <a:cs typeface="微软雅黑" panose="020B0503020204020204" pitchFamily="34" charset="-122"/>
@@ -19127,13 +19095,7 @@
               <a:solidFill>
                 <a:srgbClr val="0070C0"/>
               </a:solidFill>
-              <a:effectLst>
-                <a:outerShdw blurRad="38100" dist="25400" dir="5400000" algn="ctr" rotWithShape="0">
-                  <a:srgbClr val="6E747A">
-                    <a:alpha val="43000"/>
-                  </a:srgbClr>
-                </a:outerShdw>
-              </a:effectLst>
+              <a:effectLst/>
               <a:latin typeface="微软雅黑" panose="020B0503020204020204" pitchFamily="34" charset="-122"/>
               <a:ea typeface="微软雅黑" panose="020B0503020204020204" pitchFamily="34" charset="-122"/>
               <a:cs typeface="微软雅黑" panose="020B0503020204020204" pitchFamily="34" charset="-122"/>
